--- a/diploma.pptx
+++ b/diploma.pptx
@@ -5449,6 +5449,23 @@
               </a:rPr>
               <a:t>Инфраструктура momo-store</a:t>
             </a:r>
+            <a:br>
+              <a:rPr lang="ru-RU" sz="3300" b="0" strike="noStrike" spc="-1">
+                <a:solidFill>
+                  <a:srgbClr val="DD4100"/>
+                </a:solidFill>
+                <a:latin typeface="Arial"/>
+              </a:rPr>
+            </a:br>
+            <a:r>
+              <a:rPr lang="ru-RU" sz="1800" b="0" strike="noStrike" spc="0">
+                <a:solidFill>
+                  <a:srgbClr val="DD4100"/>
+                </a:solidFill>
+                <a:latin typeface="Arial"/>
+              </a:rPr>
+              <a:t>htpps://momo-store.avolokhov.pro</a:t>
+            </a:r>
             <a:endParaRPr lang="ru-RU" sz="3300" b="0" strike="noStrike" spc="-1">
               <a:latin typeface="Arial"/>
             </a:endParaRPr>
@@ -7786,7 +7803,7 @@
           <a:graphicData uri="http://schemas.openxmlformats.org/drawingml/2006/table">
             <a:tbl>
               <a:tblPr firstRow="0" firstCol="0" lastRow="0" lastCol="0" bandRow="1" bandCol="0">
-                <a:tableStyleId>{7A947E17-B636-B86C-5F45-95F5923D803D}</a:tableStyleId>
+                <a:tableStyleId>{DB54C532-3EB0-6BDD-B5EA-9CC0006F5394}</a:tableStyleId>
               </a:tblPr>
               <a:tblGrid>
                 <a:gridCol w="285339"/>
@@ -8614,7 +8631,7 @@
           <a:graphicData uri="http://schemas.openxmlformats.org/drawingml/2006/table">
             <a:tbl>
               <a:tblPr firstRow="0" firstCol="0" lastRow="0" lastCol="0" bandRow="1" bandCol="0">
-                <a:tableStyleId>{7A947E17-B636-B86C-5F45-95F5923D803D}</a:tableStyleId>
+                <a:tableStyleId>{DB54C532-3EB0-6BDD-B5EA-9CC0006F5394}</a:tableStyleId>
               </a:tblPr>
               <a:tblGrid>
                 <a:gridCol w="407880"/>
